--- a/ppt 16-9/0336.倾降圣灵.pptx
+++ b/ppt 16-9/0336.倾降圣灵.pptx
@@ -5,7 +5,7 @@
     <p:sldMasterId id="2147483648" r:id="rId1"/>
   </p:sldMasterIdLst>
   <p:sldIdLst>
-    <p:sldId id="3232" r:id="rId2"/>
+    <p:sldId id="3234" r:id="rId2"/>
   </p:sldIdLst>
   <p:sldSz cx="12192000" cy="6858000"/>
   <p:notesSz cx="6858000" cy="9144000"/>
@@ -129,7 +129,7 @@
           <p:cNvPr id="2" name="标题 1">
             <a:extLst>
               <a:ext uri="{FF2B5EF4-FFF2-40B4-BE49-F238E27FC236}">
-                <a16:creationId xmlns:a16="http://schemas.microsoft.com/office/drawing/2014/main" id="{B6073EE2-15FC-0BA2-622D-67A8DDEA2D29}"/>
+                <a16:creationId xmlns:a16="http://schemas.microsoft.com/office/drawing/2014/main" id="{A6E77EFC-077A-1E11-0B12-9D83CB71F007}"/>
               </a:ext>
             </a:extLst>
           </p:cNvPr>
@@ -166,7 +166,7 @@
           <p:cNvPr id="3" name="副标题 2">
             <a:extLst>
               <a:ext uri="{FF2B5EF4-FFF2-40B4-BE49-F238E27FC236}">
-                <a16:creationId xmlns:a16="http://schemas.microsoft.com/office/drawing/2014/main" id="{180ECF2F-60D4-A05E-973F-5FBA23BB42B9}"/>
+                <a16:creationId xmlns:a16="http://schemas.microsoft.com/office/drawing/2014/main" id="{D4F12CF5-FAD4-81FF-9C16-4B22CF8924EB}"/>
               </a:ext>
             </a:extLst>
           </p:cNvPr>
@@ -236,7 +236,7 @@
           <p:cNvPr id="4" name="日期占位符 3">
             <a:extLst>
               <a:ext uri="{FF2B5EF4-FFF2-40B4-BE49-F238E27FC236}">
-                <a16:creationId xmlns:a16="http://schemas.microsoft.com/office/drawing/2014/main" id="{2CA97518-1953-86A8-1520-14A2B52D0DFD}"/>
+                <a16:creationId xmlns:a16="http://schemas.microsoft.com/office/drawing/2014/main" id="{A9DA88B5-6622-0E7E-1514-99F7331CE634}"/>
               </a:ext>
             </a:extLst>
           </p:cNvPr>
@@ -252,7 +252,7 @@
           <a:bodyPr/>
           <a:lstStyle/>
           <a:p>
-            <a:fld id="{42D407DF-5F1C-4C0A-8373-8F840AFE80F3}" type="datetimeFigureOut">
+            <a:fld id="{3076438A-5B30-4678-8772-48849F1DAA6D}" type="datetimeFigureOut">
               <a:rPr lang="zh-CN" altLang="en-US" smtClean="0"/>
               <a:t>2024/3/10</a:t>
             </a:fld>
@@ -265,7 +265,7 @@
           <p:cNvPr id="5" name="页脚占位符 4">
             <a:extLst>
               <a:ext uri="{FF2B5EF4-FFF2-40B4-BE49-F238E27FC236}">
-                <a16:creationId xmlns:a16="http://schemas.microsoft.com/office/drawing/2014/main" id="{5D50848C-59DD-A6A4-CD95-B9F5960A0914}"/>
+                <a16:creationId xmlns:a16="http://schemas.microsoft.com/office/drawing/2014/main" id="{0792A1F9-958B-4790-B311-FAEAF3293027}"/>
               </a:ext>
             </a:extLst>
           </p:cNvPr>
@@ -290,7 +290,7 @@
           <p:cNvPr id="6" name="灯片编号占位符 5">
             <a:extLst>
               <a:ext uri="{FF2B5EF4-FFF2-40B4-BE49-F238E27FC236}">
-                <a16:creationId xmlns:a16="http://schemas.microsoft.com/office/drawing/2014/main" id="{DF989A99-F71C-1AAF-C5A6-5A0357B4A4B9}"/>
+                <a16:creationId xmlns:a16="http://schemas.microsoft.com/office/drawing/2014/main" id="{3CDADB3B-0D14-9ECA-97F5-0E57369BF14D}"/>
               </a:ext>
             </a:extLst>
           </p:cNvPr>
@@ -306,7 +306,7 @@
           <a:bodyPr/>
           <a:lstStyle/>
           <a:p>
-            <a:fld id="{49C0DEF9-94D0-4467-8C1B-961BE8813B80}" type="slidenum">
+            <a:fld id="{E38F7689-216D-4C35-8058-2CB34EA6965E}" type="slidenum">
               <a:rPr lang="zh-CN" altLang="en-US" smtClean="0"/>
               <a:t>‹#›</a:t>
             </a:fld>
@@ -317,7 +317,7 @@
     </p:spTree>
     <p:extLst>
       <p:ext uri="{BB962C8B-B14F-4D97-AF65-F5344CB8AC3E}">
-        <p14:creationId xmlns:p14="http://schemas.microsoft.com/office/powerpoint/2010/main" val="1543625142"/>
+        <p14:creationId xmlns:p14="http://schemas.microsoft.com/office/powerpoint/2010/main" val="555717649"/>
       </p:ext>
     </p:extLst>
   </p:cSld>
@@ -349,7 +349,7 @@
           <p:cNvPr id="2" name="标题 1">
             <a:extLst>
               <a:ext uri="{FF2B5EF4-FFF2-40B4-BE49-F238E27FC236}">
-                <a16:creationId xmlns:a16="http://schemas.microsoft.com/office/drawing/2014/main" id="{9E3558E5-7A64-0C78-3264-4B773C1C47EF}"/>
+                <a16:creationId xmlns:a16="http://schemas.microsoft.com/office/drawing/2014/main" id="{AD74CE5B-8A54-1273-7C4B-6651A694BDD6}"/>
               </a:ext>
             </a:extLst>
           </p:cNvPr>
@@ -377,7 +377,7 @@
           <p:cNvPr id="3" name="竖排文字占位符 2">
             <a:extLst>
               <a:ext uri="{FF2B5EF4-FFF2-40B4-BE49-F238E27FC236}">
-                <a16:creationId xmlns:a16="http://schemas.microsoft.com/office/drawing/2014/main" id="{D407B074-DC3C-BE04-2A40-D5B959BADB53}"/>
+                <a16:creationId xmlns:a16="http://schemas.microsoft.com/office/drawing/2014/main" id="{2E74E7D8-3416-3585-54D3-E38B1F6BC334}"/>
               </a:ext>
             </a:extLst>
           </p:cNvPr>
@@ -434,7 +434,7 @@
           <p:cNvPr id="4" name="日期占位符 3">
             <a:extLst>
               <a:ext uri="{FF2B5EF4-FFF2-40B4-BE49-F238E27FC236}">
-                <a16:creationId xmlns:a16="http://schemas.microsoft.com/office/drawing/2014/main" id="{723181D0-3385-969E-3D9F-C90B08A7A2B6}"/>
+                <a16:creationId xmlns:a16="http://schemas.microsoft.com/office/drawing/2014/main" id="{150EF4C9-5987-CB8E-1286-ED95DDFDA848}"/>
               </a:ext>
             </a:extLst>
           </p:cNvPr>
@@ -450,7 +450,7 @@
           <a:bodyPr/>
           <a:lstStyle/>
           <a:p>
-            <a:fld id="{42D407DF-5F1C-4C0A-8373-8F840AFE80F3}" type="datetimeFigureOut">
+            <a:fld id="{3076438A-5B30-4678-8772-48849F1DAA6D}" type="datetimeFigureOut">
               <a:rPr lang="zh-CN" altLang="en-US" smtClean="0"/>
               <a:t>2024/3/10</a:t>
             </a:fld>
@@ -463,7 +463,7 @@
           <p:cNvPr id="5" name="页脚占位符 4">
             <a:extLst>
               <a:ext uri="{FF2B5EF4-FFF2-40B4-BE49-F238E27FC236}">
-                <a16:creationId xmlns:a16="http://schemas.microsoft.com/office/drawing/2014/main" id="{B4715933-E6B5-25F1-A9D2-16517B0DBFD0}"/>
+                <a16:creationId xmlns:a16="http://schemas.microsoft.com/office/drawing/2014/main" id="{EDC8A3A9-85B1-D5DA-C9D8-FA01FB67E223}"/>
               </a:ext>
             </a:extLst>
           </p:cNvPr>
@@ -488,7 +488,7 @@
           <p:cNvPr id="6" name="灯片编号占位符 5">
             <a:extLst>
               <a:ext uri="{FF2B5EF4-FFF2-40B4-BE49-F238E27FC236}">
-                <a16:creationId xmlns:a16="http://schemas.microsoft.com/office/drawing/2014/main" id="{C802B7DA-571A-0BA4-15A7-1572EC8D2187}"/>
+                <a16:creationId xmlns:a16="http://schemas.microsoft.com/office/drawing/2014/main" id="{89A28233-13FB-AC55-9466-B8721F43B22D}"/>
               </a:ext>
             </a:extLst>
           </p:cNvPr>
@@ -504,7 +504,7 @@
           <a:bodyPr/>
           <a:lstStyle/>
           <a:p>
-            <a:fld id="{49C0DEF9-94D0-4467-8C1B-961BE8813B80}" type="slidenum">
+            <a:fld id="{E38F7689-216D-4C35-8058-2CB34EA6965E}" type="slidenum">
               <a:rPr lang="zh-CN" altLang="en-US" smtClean="0"/>
               <a:t>‹#›</a:t>
             </a:fld>
@@ -515,7 +515,7 @@
     </p:spTree>
     <p:extLst>
       <p:ext uri="{BB962C8B-B14F-4D97-AF65-F5344CB8AC3E}">
-        <p14:creationId xmlns:p14="http://schemas.microsoft.com/office/powerpoint/2010/main" val="143330792"/>
+        <p14:creationId xmlns:p14="http://schemas.microsoft.com/office/powerpoint/2010/main" val="2751449614"/>
       </p:ext>
     </p:extLst>
   </p:cSld>
@@ -547,7 +547,7 @@
           <p:cNvPr id="2" name="竖排标题 1">
             <a:extLst>
               <a:ext uri="{FF2B5EF4-FFF2-40B4-BE49-F238E27FC236}">
-                <a16:creationId xmlns:a16="http://schemas.microsoft.com/office/drawing/2014/main" id="{76883140-FD9A-EF5F-37D1-9CCE3F730C3B}"/>
+                <a16:creationId xmlns:a16="http://schemas.microsoft.com/office/drawing/2014/main" id="{A7B0AE35-EC84-CCB9-2A69-37C50DCB1FB0}"/>
               </a:ext>
             </a:extLst>
           </p:cNvPr>
@@ -580,7 +580,7 @@
           <p:cNvPr id="3" name="竖排文字占位符 2">
             <a:extLst>
               <a:ext uri="{FF2B5EF4-FFF2-40B4-BE49-F238E27FC236}">
-                <a16:creationId xmlns:a16="http://schemas.microsoft.com/office/drawing/2014/main" id="{FE9A98A7-9A36-39F2-FED7-D76946D2E9ED}"/>
+                <a16:creationId xmlns:a16="http://schemas.microsoft.com/office/drawing/2014/main" id="{E672B82E-9C0F-131B-E9AB-FD2965AFE1DC}"/>
               </a:ext>
             </a:extLst>
           </p:cNvPr>
@@ -642,7 +642,7 @@
           <p:cNvPr id="4" name="日期占位符 3">
             <a:extLst>
               <a:ext uri="{FF2B5EF4-FFF2-40B4-BE49-F238E27FC236}">
-                <a16:creationId xmlns:a16="http://schemas.microsoft.com/office/drawing/2014/main" id="{4F40DC84-B2C9-2962-683A-D6382DE26E24}"/>
+                <a16:creationId xmlns:a16="http://schemas.microsoft.com/office/drawing/2014/main" id="{F14DC9F5-7F51-09FC-8921-6E58CA7BE52E}"/>
               </a:ext>
             </a:extLst>
           </p:cNvPr>
@@ -658,7 +658,7 @@
           <a:bodyPr/>
           <a:lstStyle/>
           <a:p>
-            <a:fld id="{42D407DF-5F1C-4C0A-8373-8F840AFE80F3}" type="datetimeFigureOut">
+            <a:fld id="{3076438A-5B30-4678-8772-48849F1DAA6D}" type="datetimeFigureOut">
               <a:rPr lang="zh-CN" altLang="en-US" smtClean="0"/>
               <a:t>2024/3/10</a:t>
             </a:fld>
@@ -671,7 +671,7 @@
           <p:cNvPr id="5" name="页脚占位符 4">
             <a:extLst>
               <a:ext uri="{FF2B5EF4-FFF2-40B4-BE49-F238E27FC236}">
-                <a16:creationId xmlns:a16="http://schemas.microsoft.com/office/drawing/2014/main" id="{E9060409-91FA-6193-331D-1F3AE21C1460}"/>
+                <a16:creationId xmlns:a16="http://schemas.microsoft.com/office/drawing/2014/main" id="{CE98806C-6EE4-4CD7-C0D5-0F8E93F032EE}"/>
               </a:ext>
             </a:extLst>
           </p:cNvPr>
@@ -696,7 +696,7 @@
           <p:cNvPr id="6" name="灯片编号占位符 5">
             <a:extLst>
               <a:ext uri="{FF2B5EF4-FFF2-40B4-BE49-F238E27FC236}">
-                <a16:creationId xmlns:a16="http://schemas.microsoft.com/office/drawing/2014/main" id="{73058EE4-D6F0-24FF-1E15-6BE43481463A}"/>
+                <a16:creationId xmlns:a16="http://schemas.microsoft.com/office/drawing/2014/main" id="{F217BCDA-7DAF-D1CD-9C69-C05CCE8145C3}"/>
               </a:ext>
             </a:extLst>
           </p:cNvPr>
@@ -712,7 +712,7 @@
           <a:bodyPr/>
           <a:lstStyle/>
           <a:p>
-            <a:fld id="{49C0DEF9-94D0-4467-8C1B-961BE8813B80}" type="slidenum">
+            <a:fld id="{E38F7689-216D-4C35-8058-2CB34EA6965E}" type="slidenum">
               <a:rPr lang="zh-CN" altLang="en-US" smtClean="0"/>
               <a:t>‹#›</a:t>
             </a:fld>
@@ -723,7 +723,7 @@
     </p:spTree>
     <p:extLst>
       <p:ext uri="{BB962C8B-B14F-4D97-AF65-F5344CB8AC3E}">
-        <p14:creationId xmlns:p14="http://schemas.microsoft.com/office/powerpoint/2010/main" val="792375589"/>
+        <p14:creationId xmlns:p14="http://schemas.microsoft.com/office/powerpoint/2010/main" val="1544571404"/>
       </p:ext>
     </p:extLst>
   </p:cSld>
@@ -755,7 +755,7 @@
           <p:cNvPr id="2" name="标题 1">
             <a:extLst>
               <a:ext uri="{FF2B5EF4-FFF2-40B4-BE49-F238E27FC236}">
-                <a16:creationId xmlns:a16="http://schemas.microsoft.com/office/drawing/2014/main" id="{507D1DF4-2686-42E4-7E28-24573923D991}"/>
+                <a16:creationId xmlns:a16="http://schemas.microsoft.com/office/drawing/2014/main" id="{B01183B3-728E-C76A-11EC-E7CBF91F4694}"/>
               </a:ext>
             </a:extLst>
           </p:cNvPr>
@@ -783,7 +783,7 @@
           <p:cNvPr id="3" name="内容占位符 2">
             <a:extLst>
               <a:ext uri="{FF2B5EF4-FFF2-40B4-BE49-F238E27FC236}">
-                <a16:creationId xmlns:a16="http://schemas.microsoft.com/office/drawing/2014/main" id="{A9AE249D-3731-7DDE-03C8-F7B89CD77647}"/>
+                <a16:creationId xmlns:a16="http://schemas.microsoft.com/office/drawing/2014/main" id="{80851292-D028-3D0C-C32B-76A5405A3E94}"/>
               </a:ext>
             </a:extLst>
           </p:cNvPr>
@@ -840,7 +840,7 @@
           <p:cNvPr id="4" name="日期占位符 3">
             <a:extLst>
               <a:ext uri="{FF2B5EF4-FFF2-40B4-BE49-F238E27FC236}">
-                <a16:creationId xmlns:a16="http://schemas.microsoft.com/office/drawing/2014/main" id="{27BF83DD-884F-8041-422F-E5B3AF2B826D}"/>
+                <a16:creationId xmlns:a16="http://schemas.microsoft.com/office/drawing/2014/main" id="{621712EB-D591-DEEB-29FD-93AC4BB26BF4}"/>
               </a:ext>
             </a:extLst>
           </p:cNvPr>
@@ -856,7 +856,7 @@
           <a:bodyPr/>
           <a:lstStyle/>
           <a:p>
-            <a:fld id="{42D407DF-5F1C-4C0A-8373-8F840AFE80F3}" type="datetimeFigureOut">
+            <a:fld id="{3076438A-5B30-4678-8772-48849F1DAA6D}" type="datetimeFigureOut">
               <a:rPr lang="zh-CN" altLang="en-US" smtClean="0"/>
               <a:t>2024/3/10</a:t>
             </a:fld>
@@ -869,7 +869,7 @@
           <p:cNvPr id="5" name="页脚占位符 4">
             <a:extLst>
               <a:ext uri="{FF2B5EF4-FFF2-40B4-BE49-F238E27FC236}">
-                <a16:creationId xmlns:a16="http://schemas.microsoft.com/office/drawing/2014/main" id="{375B3D26-B2E5-78D8-2799-27380DE1F0F2}"/>
+                <a16:creationId xmlns:a16="http://schemas.microsoft.com/office/drawing/2014/main" id="{484ED099-79F1-4BBF-A53D-69614D12DCA5}"/>
               </a:ext>
             </a:extLst>
           </p:cNvPr>
@@ -894,7 +894,7 @@
           <p:cNvPr id="6" name="灯片编号占位符 5">
             <a:extLst>
               <a:ext uri="{FF2B5EF4-FFF2-40B4-BE49-F238E27FC236}">
-                <a16:creationId xmlns:a16="http://schemas.microsoft.com/office/drawing/2014/main" id="{4BFCC644-B91F-F4E2-A82E-66DE241A2B70}"/>
+                <a16:creationId xmlns:a16="http://schemas.microsoft.com/office/drawing/2014/main" id="{FBD9BAAF-CD20-8199-E6E9-0C74C0408C0F}"/>
               </a:ext>
             </a:extLst>
           </p:cNvPr>
@@ -910,7 +910,7 @@
           <a:bodyPr/>
           <a:lstStyle/>
           <a:p>
-            <a:fld id="{49C0DEF9-94D0-4467-8C1B-961BE8813B80}" type="slidenum">
+            <a:fld id="{E38F7689-216D-4C35-8058-2CB34EA6965E}" type="slidenum">
               <a:rPr lang="zh-CN" altLang="en-US" smtClean="0"/>
               <a:t>‹#›</a:t>
             </a:fld>
@@ -921,7 +921,7 @@
     </p:spTree>
     <p:extLst>
       <p:ext uri="{BB962C8B-B14F-4D97-AF65-F5344CB8AC3E}">
-        <p14:creationId xmlns:p14="http://schemas.microsoft.com/office/powerpoint/2010/main" val="3344348696"/>
+        <p14:creationId xmlns:p14="http://schemas.microsoft.com/office/powerpoint/2010/main" val="3141454547"/>
       </p:ext>
     </p:extLst>
   </p:cSld>
@@ -953,7 +953,7 @@
           <p:cNvPr id="2" name="标题 1">
             <a:extLst>
               <a:ext uri="{FF2B5EF4-FFF2-40B4-BE49-F238E27FC236}">
-                <a16:creationId xmlns:a16="http://schemas.microsoft.com/office/drawing/2014/main" id="{B19A3871-D286-B323-3514-D192F8E2765E}"/>
+                <a16:creationId xmlns:a16="http://schemas.microsoft.com/office/drawing/2014/main" id="{162EA5D7-ED69-5C92-A760-A7C5BA9AC814}"/>
               </a:ext>
             </a:extLst>
           </p:cNvPr>
@@ -990,7 +990,7 @@
           <p:cNvPr id="3" name="文本占位符 2">
             <a:extLst>
               <a:ext uri="{FF2B5EF4-FFF2-40B4-BE49-F238E27FC236}">
-                <a16:creationId xmlns:a16="http://schemas.microsoft.com/office/drawing/2014/main" id="{6C62AA89-F520-9FD1-8559-3DA2B1370AD8}"/>
+                <a16:creationId xmlns:a16="http://schemas.microsoft.com/office/drawing/2014/main" id="{E4509B18-EEC9-C129-EAB9-18B4D46A24F0}"/>
               </a:ext>
             </a:extLst>
           </p:cNvPr>
@@ -1115,7 +1115,7 @@
           <p:cNvPr id="4" name="日期占位符 3">
             <a:extLst>
               <a:ext uri="{FF2B5EF4-FFF2-40B4-BE49-F238E27FC236}">
-                <a16:creationId xmlns:a16="http://schemas.microsoft.com/office/drawing/2014/main" id="{D3A3F6F1-E9C3-8B01-913E-113C922EFED3}"/>
+                <a16:creationId xmlns:a16="http://schemas.microsoft.com/office/drawing/2014/main" id="{72C26424-875B-B7FD-4AFF-88466B50CD68}"/>
               </a:ext>
             </a:extLst>
           </p:cNvPr>
@@ -1131,7 +1131,7 @@
           <a:bodyPr/>
           <a:lstStyle/>
           <a:p>
-            <a:fld id="{42D407DF-5F1C-4C0A-8373-8F840AFE80F3}" type="datetimeFigureOut">
+            <a:fld id="{3076438A-5B30-4678-8772-48849F1DAA6D}" type="datetimeFigureOut">
               <a:rPr lang="zh-CN" altLang="en-US" smtClean="0"/>
               <a:t>2024/3/10</a:t>
             </a:fld>
@@ -1144,7 +1144,7 @@
           <p:cNvPr id="5" name="页脚占位符 4">
             <a:extLst>
               <a:ext uri="{FF2B5EF4-FFF2-40B4-BE49-F238E27FC236}">
-                <a16:creationId xmlns:a16="http://schemas.microsoft.com/office/drawing/2014/main" id="{2D00D533-ABE7-E904-27E4-A4290BFB06C9}"/>
+                <a16:creationId xmlns:a16="http://schemas.microsoft.com/office/drawing/2014/main" id="{CE17A504-F2BB-2CA7-B1EE-291319B4FAE3}"/>
               </a:ext>
             </a:extLst>
           </p:cNvPr>
@@ -1169,7 +1169,7 @@
           <p:cNvPr id="6" name="灯片编号占位符 5">
             <a:extLst>
               <a:ext uri="{FF2B5EF4-FFF2-40B4-BE49-F238E27FC236}">
-                <a16:creationId xmlns:a16="http://schemas.microsoft.com/office/drawing/2014/main" id="{9952CED8-E900-3102-948C-8005DAD36E75}"/>
+                <a16:creationId xmlns:a16="http://schemas.microsoft.com/office/drawing/2014/main" id="{F7571C95-6462-8812-90F7-FBE1570E0AA0}"/>
               </a:ext>
             </a:extLst>
           </p:cNvPr>
@@ -1185,7 +1185,7 @@
           <a:bodyPr/>
           <a:lstStyle/>
           <a:p>
-            <a:fld id="{49C0DEF9-94D0-4467-8C1B-961BE8813B80}" type="slidenum">
+            <a:fld id="{E38F7689-216D-4C35-8058-2CB34EA6965E}" type="slidenum">
               <a:rPr lang="zh-CN" altLang="en-US" smtClean="0"/>
               <a:t>‹#›</a:t>
             </a:fld>
@@ -1196,7 +1196,7 @@
     </p:spTree>
     <p:extLst>
       <p:ext uri="{BB962C8B-B14F-4D97-AF65-F5344CB8AC3E}">
-        <p14:creationId xmlns:p14="http://schemas.microsoft.com/office/powerpoint/2010/main" val="1527034669"/>
+        <p14:creationId xmlns:p14="http://schemas.microsoft.com/office/powerpoint/2010/main" val="3711967038"/>
       </p:ext>
     </p:extLst>
   </p:cSld>
@@ -1228,7 +1228,7 @@
           <p:cNvPr id="2" name="标题 1">
             <a:extLst>
               <a:ext uri="{FF2B5EF4-FFF2-40B4-BE49-F238E27FC236}">
-                <a16:creationId xmlns:a16="http://schemas.microsoft.com/office/drawing/2014/main" id="{FA570AFB-2798-7A26-2ADD-B62186E4AF09}"/>
+                <a16:creationId xmlns:a16="http://schemas.microsoft.com/office/drawing/2014/main" id="{6EF49AD1-4D7A-39BD-556C-5AC83320940C}"/>
               </a:ext>
             </a:extLst>
           </p:cNvPr>
@@ -1256,7 +1256,7 @@
           <p:cNvPr id="3" name="内容占位符 2">
             <a:extLst>
               <a:ext uri="{FF2B5EF4-FFF2-40B4-BE49-F238E27FC236}">
-                <a16:creationId xmlns:a16="http://schemas.microsoft.com/office/drawing/2014/main" id="{ACD57E79-CA4B-5538-3AEB-3762B1C8F290}"/>
+                <a16:creationId xmlns:a16="http://schemas.microsoft.com/office/drawing/2014/main" id="{6535CD07-1398-3ADA-FFF7-2980E26D8692}"/>
               </a:ext>
             </a:extLst>
           </p:cNvPr>
@@ -1318,7 +1318,7 @@
           <p:cNvPr id="4" name="内容占位符 3">
             <a:extLst>
               <a:ext uri="{FF2B5EF4-FFF2-40B4-BE49-F238E27FC236}">
-                <a16:creationId xmlns:a16="http://schemas.microsoft.com/office/drawing/2014/main" id="{C77E344F-D0D8-A6BF-D864-168609564158}"/>
+                <a16:creationId xmlns:a16="http://schemas.microsoft.com/office/drawing/2014/main" id="{75745D9B-B443-A066-95CD-7290E40F6320}"/>
               </a:ext>
             </a:extLst>
           </p:cNvPr>
@@ -1380,7 +1380,7 @@
           <p:cNvPr id="5" name="日期占位符 4">
             <a:extLst>
               <a:ext uri="{FF2B5EF4-FFF2-40B4-BE49-F238E27FC236}">
-                <a16:creationId xmlns:a16="http://schemas.microsoft.com/office/drawing/2014/main" id="{167E3713-5FB8-2DF8-42C2-268E7DDC4966}"/>
+                <a16:creationId xmlns:a16="http://schemas.microsoft.com/office/drawing/2014/main" id="{E58C4F40-DC45-6910-B818-5C188FA86D0F}"/>
               </a:ext>
             </a:extLst>
           </p:cNvPr>
@@ -1396,7 +1396,7 @@
           <a:bodyPr/>
           <a:lstStyle/>
           <a:p>
-            <a:fld id="{42D407DF-5F1C-4C0A-8373-8F840AFE80F3}" type="datetimeFigureOut">
+            <a:fld id="{3076438A-5B30-4678-8772-48849F1DAA6D}" type="datetimeFigureOut">
               <a:rPr lang="zh-CN" altLang="en-US" smtClean="0"/>
               <a:t>2024/3/10</a:t>
             </a:fld>
@@ -1409,7 +1409,7 @@
           <p:cNvPr id="6" name="页脚占位符 5">
             <a:extLst>
               <a:ext uri="{FF2B5EF4-FFF2-40B4-BE49-F238E27FC236}">
-                <a16:creationId xmlns:a16="http://schemas.microsoft.com/office/drawing/2014/main" id="{65BB63E0-BBB4-9E65-293C-50B8A695B534}"/>
+                <a16:creationId xmlns:a16="http://schemas.microsoft.com/office/drawing/2014/main" id="{F60580FE-BD4C-A8BA-A629-C3AA5E54FE2E}"/>
               </a:ext>
             </a:extLst>
           </p:cNvPr>
@@ -1434,7 +1434,7 @@
           <p:cNvPr id="7" name="灯片编号占位符 6">
             <a:extLst>
               <a:ext uri="{FF2B5EF4-FFF2-40B4-BE49-F238E27FC236}">
-                <a16:creationId xmlns:a16="http://schemas.microsoft.com/office/drawing/2014/main" id="{FA5DD9E4-9CE8-4A21-5668-D62A6E73B78C}"/>
+                <a16:creationId xmlns:a16="http://schemas.microsoft.com/office/drawing/2014/main" id="{7A21F782-9144-6785-B6EC-A3908644DE12}"/>
               </a:ext>
             </a:extLst>
           </p:cNvPr>
@@ -1450,7 +1450,7 @@
           <a:bodyPr/>
           <a:lstStyle/>
           <a:p>
-            <a:fld id="{49C0DEF9-94D0-4467-8C1B-961BE8813B80}" type="slidenum">
+            <a:fld id="{E38F7689-216D-4C35-8058-2CB34EA6965E}" type="slidenum">
               <a:rPr lang="zh-CN" altLang="en-US" smtClean="0"/>
               <a:t>‹#›</a:t>
             </a:fld>
@@ -1461,7 +1461,7 @@
     </p:spTree>
     <p:extLst>
       <p:ext uri="{BB962C8B-B14F-4D97-AF65-F5344CB8AC3E}">
-        <p14:creationId xmlns:p14="http://schemas.microsoft.com/office/powerpoint/2010/main" val="3550792296"/>
+        <p14:creationId xmlns:p14="http://schemas.microsoft.com/office/powerpoint/2010/main" val="3866687907"/>
       </p:ext>
     </p:extLst>
   </p:cSld>
@@ -1493,7 +1493,7 @@
           <p:cNvPr id="2" name="标题 1">
             <a:extLst>
               <a:ext uri="{FF2B5EF4-FFF2-40B4-BE49-F238E27FC236}">
-                <a16:creationId xmlns:a16="http://schemas.microsoft.com/office/drawing/2014/main" id="{EDEFE39C-0EBA-B290-7D15-965A87D75A64}"/>
+                <a16:creationId xmlns:a16="http://schemas.microsoft.com/office/drawing/2014/main" id="{49C4B86E-B176-BC00-0546-2E92DFDCA586}"/>
               </a:ext>
             </a:extLst>
           </p:cNvPr>
@@ -1526,7 +1526,7 @@
           <p:cNvPr id="3" name="文本占位符 2">
             <a:extLst>
               <a:ext uri="{FF2B5EF4-FFF2-40B4-BE49-F238E27FC236}">
-                <a16:creationId xmlns:a16="http://schemas.microsoft.com/office/drawing/2014/main" id="{DC98E058-F390-63AC-C1FE-40ED5E29FB95}"/>
+                <a16:creationId xmlns:a16="http://schemas.microsoft.com/office/drawing/2014/main" id="{0DF25FEE-3E80-4494-CDA7-990404896629}"/>
               </a:ext>
             </a:extLst>
           </p:cNvPr>
@@ -1597,7 +1597,7 @@
           <p:cNvPr id="4" name="内容占位符 3">
             <a:extLst>
               <a:ext uri="{FF2B5EF4-FFF2-40B4-BE49-F238E27FC236}">
-                <a16:creationId xmlns:a16="http://schemas.microsoft.com/office/drawing/2014/main" id="{B5C8E694-9208-B9FC-902C-40120D050BA1}"/>
+                <a16:creationId xmlns:a16="http://schemas.microsoft.com/office/drawing/2014/main" id="{4EF8B3FA-C0B7-5740-E1F8-CB173D32C6F8}"/>
               </a:ext>
             </a:extLst>
           </p:cNvPr>
@@ -1659,7 +1659,7 @@
           <p:cNvPr id="5" name="文本占位符 4">
             <a:extLst>
               <a:ext uri="{FF2B5EF4-FFF2-40B4-BE49-F238E27FC236}">
-                <a16:creationId xmlns:a16="http://schemas.microsoft.com/office/drawing/2014/main" id="{D5D2D9CA-211B-87A9-CA5A-0DC7C5FA8372}"/>
+                <a16:creationId xmlns:a16="http://schemas.microsoft.com/office/drawing/2014/main" id="{95C804DF-C02D-5301-68BF-81A16715958E}"/>
               </a:ext>
             </a:extLst>
           </p:cNvPr>
@@ -1730,7 +1730,7 @@
           <p:cNvPr id="6" name="内容占位符 5">
             <a:extLst>
               <a:ext uri="{FF2B5EF4-FFF2-40B4-BE49-F238E27FC236}">
-                <a16:creationId xmlns:a16="http://schemas.microsoft.com/office/drawing/2014/main" id="{12F85B45-C723-F0C8-64AB-B6A55A75C715}"/>
+                <a16:creationId xmlns:a16="http://schemas.microsoft.com/office/drawing/2014/main" id="{C97D9B5C-060E-019D-CC5E-37849FD6E949}"/>
               </a:ext>
             </a:extLst>
           </p:cNvPr>
@@ -1792,7 +1792,7 @@
           <p:cNvPr id="7" name="日期占位符 6">
             <a:extLst>
               <a:ext uri="{FF2B5EF4-FFF2-40B4-BE49-F238E27FC236}">
-                <a16:creationId xmlns:a16="http://schemas.microsoft.com/office/drawing/2014/main" id="{18C47F16-9F79-2A2F-7897-E03E28B15938}"/>
+                <a16:creationId xmlns:a16="http://schemas.microsoft.com/office/drawing/2014/main" id="{3FE03E45-8886-B11B-760A-391B083450DA}"/>
               </a:ext>
             </a:extLst>
           </p:cNvPr>
@@ -1808,7 +1808,7 @@
           <a:bodyPr/>
           <a:lstStyle/>
           <a:p>
-            <a:fld id="{42D407DF-5F1C-4C0A-8373-8F840AFE80F3}" type="datetimeFigureOut">
+            <a:fld id="{3076438A-5B30-4678-8772-48849F1DAA6D}" type="datetimeFigureOut">
               <a:rPr lang="zh-CN" altLang="en-US" smtClean="0"/>
               <a:t>2024/3/10</a:t>
             </a:fld>
@@ -1821,7 +1821,7 @@
           <p:cNvPr id="8" name="页脚占位符 7">
             <a:extLst>
               <a:ext uri="{FF2B5EF4-FFF2-40B4-BE49-F238E27FC236}">
-                <a16:creationId xmlns:a16="http://schemas.microsoft.com/office/drawing/2014/main" id="{D7A88444-BF7C-C5EE-0112-3491EB686FC0}"/>
+                <a16:creationId xmlns:a16="http://schemas.microsoft.com/office/drawing/2014/main" id="{1D5A9560-785A-5E72-F688-828A2F2622CD}"/>
               </a:ext>
             </a:extLst>
           </p:cNvPr>
@@ -1846,7 +1846,7 @@
           <p:cNvPr id="9" name="灯片编号占位符 8">
             <a:extLst>
               <a:ext uri="{FF2B5EF4-FFF2-40B4-BE49-F238E27FC236}">
-                <a16:creationId xmlns:a16="http://schemas.microsoft.com/office/drawing/2014/main" id="{98CC8E08-E668-7290-A592-C51FB422F1C8}"/>
+                <a16:creationId xmlns:a16="http://schemas.microsoft.com/office/drawing/2014/main" id="{2E8FEEC3-692B-A485-2075-1B8E7AD256EE}"/>
               </a:ext>
             </a:extLst>
           </p:cNvPr>
@@ -1862,7 +1862,7 @@
           <a:bodyPr/>
           <a:lstStyle/>
           <a:p>
-            <a:fld id="{49C0DEF9-94D0-4467-8C1B-961BE8813B80}" type="slidenum">
+            <a:fld id="{E38F7689-216D-4C35-8058-2CB34EA6965E}" type="slidenum">
               <a:rPr lang="zh-CN" altLang="en-US" smtClean="0"/>
               <a:t>‹#›</a:t>
             </a:fld>
@@ -1873,7 +1873,7 @@
     </p:spTree>
     <p:extLst>
       <p:ext uri="{BB962C8B-B14F-4D97-AF65-F5344CB8AC3E}">
-        <p14:creationId xmlns:p14="http://schemas.microsoft.com/office/powerpoint/2010/main" val="660148018"/>
+        <p14:creationId xmlns:p14="http://schemas.microsoft.com/office/powerpoint/2010/main" val="1384030833"/>
       </p:ext>
     </p:extLst>
   </p:cSld>
@@ -1905,7 +1905,7 @@
           <p:cNvPr id="2" name="标题 1">
             <a:extLst>
               <a:ext uri="{FF2B5EF4-FFF2-40B4-BE49-F238E27FC236}">
-                <a16:creationId xmlns:a16="http://schemas.microsoft.com/office/drawing/2014/main" id="{49BA8361-17FB-B3C5-2A0F-570F57218D3C}"/>
+                <a16:creationId xmlns:a16="http://schemas.microsoft.com/office/drawing/2014/main" id="{A1DCFF1E-7CD5-4CA4-3CC0-85FB41494741}"/>
               </a:ext>
             </a:extLst>
           </p:cNvPr>
@@ -1933,7 +1933,7 @@
           <p:cNvPr id="3" name="日期占位符 2">
             <a:extLst>
               <a:ext uri="{FF2B5EF4-FFF2-40B4-BE49-F238E27FC236}">
-                <a16:creationId xmlns:a16="http://schemas.microsoft.com/office/drawing/2014/main" id="{B68817A5-C4E6-B84E-89DE-B30001DF1455}"/>
+                <a16:creationId xmlns:a16="http://schemas.microsoft.com/office/drawing/2014/main" id="{A50E2B9A-D9AB-0212-F8F3-F7CB0D19767A}"/>
               </a:ext>
             </a:extLst>
           </p:cNvPr>
@@ -1949,7 +1949,7 @@
           <a:bodyPr/>
           <a:lstStyle/>
           <a:p>
-            <a:fld id="{42D407DF-5F1C-4C0A-8373-8F840AFE80F3}" type="datetimeFigureOut">
+            <a:fld id="{3076438A-5B30-4678-8772-48849F1DAA6D}" type="datetimeFigureOut">
               <a:rPr lang="zh-CN" altLang="en-US" smtClean="0"/>
               <a:t>2024/3/10</a:t>
             </a:fld>
@@ -1962,7 +1962,7 @@
           <p:cNvPr id="4" name="页脚占位符 3">
             <a:extLst>
               <a:ext uri="{FF2B5EF4-FFF2-40B4-BE49-F238E27FC236}">
-                <a16:creationId xmlns:a16="http://schemas.microsoft.com/office/drawing/2014/main" id="{08E15832-446F-FECB-7D9D-4EC2888614E7}"/>
+                <a16:creationId xmlns:a16="http://schemas.microsoft.com/office/drawing/2014/main" id="{AB3D494C-26A1-11C2-4968-0689BF5DE480}"/>
               </a:ext>
             </a:extLst>
           </p:cNvPr>
@@ -1987,7 +1987,7 @@
           <p:cNvPr id="5" name="灯片编号占位符 4">
             <a:extLst>
               <a:ext uri="{FF2B5EF4-FFF2-40B4-BE49-F238E27FC236}">
-                <a16:creationId xmlns:a16="http://schemas.microsoft.com/office/drawing/2014/main" id="{1040EE8F-1B98-92F2-C111-BFAFEE4DDA67}"/>
+                <a16:creationId xmlns:a16="http://schemas.microsoft.com/office/drawing/2014/main" id="{4760EA2E-1C3B-70B6-F143-2E292354DA31}"/>
               </a:ext>
             </a:extLst>
           </p:cNvPr>
@@ -2003,7 +2003,7 @@
           <a:bodyPr/>
           <a:lstStyle/>
           <a:p>
-            <a:fld id="{49C0DEF9-94D0-4467-8C1B-961BE8813B80}" type="slidenum">
+            <a:fld id="{E38F7689-216D-4C35-8058-2CB34EA6965E}" type="slidenum">
               <a:rPr lang="zh-CN" altLang="en-US" smtClean="0"/>
               <a:t>‹#›</a:t>
             </a:fld>
@@ -2014,7 +2014,7 @@
     </p:spTree>
     <p:extLst>
       <p:ext uri="{BB962C8B-B14F-4D97-AF65-F5344CB8AC3E}">
-        <p14:creationId xmlns:p14="http://schemas.microsoft.com/office/powerpoint/2010/main" val="1541111817"/>
+        <p14:creationId xmlns:p14="http://schemas.microsoft.com/office/powerpoint/2010/main" val="2343333884"/>
       </p:ext>
     </p:extLst>
   </p:cSld>
@@ -2046,7 +2046,7 @@
           <p:cNvPr id="2" name="日期占位符 1">
             <a:extLst>
               <a:ext uri="{FF2B5EF4-FFF2-40B4-BE49-F238E27FC236}">
-                <a16:creationId xmlns:a16="http://schemas.microsoft.com/office/drawing/2014/main" id="{DE766D45-105B-EE0E-77B5-515679C90B64}"/>
+                <a16:creationId xmlns:a16="http://schemas.microsoft.com/office/drawing/2014/main" id="{4E3A7C68-14AC-E9BB-AAA5-D654634C6253}"/>
               </a:ext>
             </a:extLst>
           </p:cNvPr>
@@ -2062,7 +2062,7 @@
           <a:bodyPr/>
           <a:lstStyle/>
           <a:p>
-            <a:fld id="{42D407DF-5F1C-4C0A-8373-8F840AFE80F3}" type="datetimeFigureOut">
+            <a:fld id="{3076438A-5B30-4678-8772-48849F1DAA6D}" type="datetimeFigureOut">
               <a:rPr lang="zh-CN" altLang="en-US" smtClean="0"/>
               <a:t>2024/3/10</a:t>
             </a:fld>
@@ -2075,7 +2075,7 @@
           <p:cNvPr id="3" name="页脚占位符 2">
             <a:extLst>
               <a:ext uri="{FF2B5EF4-FFF2-40B4-BE49-F238E27FC236}">
-                <a16:creationId xmlns:a16="http://schemas.microsoft.com/office/drawing/2014/main" id="{C1772026-4134-7740-CDD7-A60C230DC22A}"/>
+                <a16:creationId xmlns:a16="http://schemas.microsoft.com/office/drawing/2014/main" id="{1BB82C3C-3D9C-8783-6B3C-04DC80B9A2FC}"/>
               </a:ext>
             </a:extLst>
           </p:cNvPr>
@@ -2100,7 +2100,7 @@
           <p:cNvPr id="4" name="灯片编号占位符 3">
             <a:extLst>
               <a:ext uri="{FF2B5EF4-FFF2-40B4-BE49-F238E27FC236}">
-                <a16:creationId xmlns:a16="http://schemas.microsoft.com/office/drawing/2014/main" id="{D53EF643-F8FF-DD50-D535-37E2138C1CF8}"/>
+                <a16:creationId xmlns:a16="http://schemas.microsoft.com/office/drawing/2014/main" id="{9C88C7DB-D4DC-D913-1ABE-1F9F5D27F907}"/>
               </a:ext>
             </a:extLst>
           </p:cNvPr>
@@ -2116,7 +2116,7 @@
           <a:bodyPr/>
           <a:lstStyle/>
           <a:p>
-            <a:fld id="{49C0DEF9-94D0-4467-8C1B-961BE8813B80}" type="slidenum">
+            <a:fld id="{E38F7689-216D-4C35-8058-2CB34EA6965E}" type="slidenum">
               <a:rPr lang="zh-CN" altLang="en-US" smtClean="0"/>
               <a:t>‹#›</a:t>
             </a:fld>
@@ -2127,7 +2127,7 @@
     </p:spTree>
     <p:extLst>
       <p:ext uri="{BB962C8B-B14F-4D97-AF65-F5344CB8AC3E}">
-        <p14:creationId xmlns:p14="http://schemas.microsoft.com/office/powerpoint/2010/main" val="2896747205"/>
+        <p14:creationId xmlns:p14="http://schemas.microsoft.com/office/powerpoint/2010/main" val="1318763076"/>
       </p:ext>
     </p:extLst>
   </p:cSld>
@@ -2159,7 +2159,7 @@
           <p:cNvPr id="2" name="标题 1">
             <a:extLst>
               <a:ext uri="{FF2B5EF4-FFF2-40B4-BE49-F238E27FC236}">
-                <a16:creationId xmlns:a16="http://schemas.microsoft.com/office/drawing/2014/main" id="{F284F692-AC5D-4A47-11E9-EFB5A25C20BE}"/>
+                <a16:creationId xmlns:a16="http://schemas.microsoft.com/office/drawing/2014/main" id="{00D42BE8-CD2B-5619-68F1-56169A57A341}"/>
               </a:ext>
             </a:extLst>
           </p:cNvPr>
@@ -2196,7 +2196,7 @@
           <p:cNvPr id="3" name="内容占位符 2">
             <a:extLst>
               <a:ext uri="{FF2B5EF4-FFF2-40B4-BE49-F238E27FC236}">
-                <a16:creationId xmlns:a16="http://schemas.microsoft.com/office/drawing/2014/main" id="{666225A8-24D7-814A-2987-F87E8F8D9EA6}"/>
+                <a16:creationId xmlns:a16="http://schemas.microsoft.com/office/drawing/2014/main" id="{6509EFFC-16CF-436B-0238-33E5628EB8EF}"/>
               </a:ext>
             </a:extLst>
           </p:cNvPr>
@@ -2286,7 +2286,7 @@
           <p:cNvPr id="4" name="文本占位符 3">
             <a:extLst>
               <a:ext uri="{FF2B5EF4-FFF2-40B4-BE49-F238E27FC236}">
-                <a16:creationId xmlns:a16="http://schemas.microsoft.com/office/drawing/2014/main" id="{09D5DF2A-0D38-4714-65F9-089C7670F4FB}"/>
+                <a16:creationId xmlns:a16="http://schemas.microsoft.com/office/drawing/2014/main" id="{A861C34F-BB91-2E7E-71FB-E0A3F22CDAFD}"/>
               </a:ext>
             </a:extLst>
           </p:cNvPr>
@@ -2357,7 +2357,7 @@
           <p:cNvPr id="5" name="日期占位符 4">
             <a:extLst>
               <a:ext uri="{FF2B5EF4-FFF2-40B4-BE49-F238E27FC236}">
-                <a16:creationId xmlns:a16="http://schemas.microsoft.com/office/drawing/2014/main" id="{F1AEE750-3C5C-B734-FB87-9FF2F8A16C11}"/>
+                <a16:creationId xmlns:a16="http://schemas.microsoft.com/office/drawing/2014/main" id="{C7635C54-D1B7-4DFE-1816-DC532D1AA985}"/>
               </a:ext>
             </a:extLst>
           </p:cNvPr>
@@ -2373,7 +2373,7 @@
           <a:bodyPr/>
           <a:lstStyle/>
           <a:p>
-            <a:fld id="{42D407DF-5F1C-4C0A-8373-8F840AFE80F3}" type="datetimeFigureOut">
+            <a:fld id="{3076438A-5B30-4678-8772-48849F1DAA6D}" type="datetimeFigureOut">
               <a:rPr lang="zh-CN" altLang="en-US" smtClean="0"/>
               <a:t>2024/3/10</a:t>
             </a:fld>
@@ -2386,7 +2386,7 @@
           <p:cNvPr id="6" name="页脚占位符 5">
             <a:extLst>
               <a:ext uri="{FF2B5EF4-FFF2-40B4-BE49-F238E27FC236}">
-                <a16:creationId xmlns:a16="http://schemas.microsoft.com/office/drawing/2014/main" id="{AB4DD6E1-CFD1-9F00-CDD6-75B4ED281C84}"/>
+                <a16:creationId xmlns:a16="http://schemas.microsoft.com/office/drawing/2014/main" id="{7CFC456B-7BF9-6730-5A0C-2455B89E098C}"/>
               </a:ext>
             </a:extLst>
           </p:cNvPr>
@@ -2411,7 +2411,7 @@
           <p:cNvPr id="7" name="灯片编号占位符 6">
             <a:extLst>
               <a:ext uri="{FF2B5EF4-FFF2-40B4-BE49-F238E27FC236}">
-                <a16:creationId xmlns:a16="http://schemas.microsoft.com/office/drawing/2014/main" id="{4AA3FB06-E03E-D8F8-0606-48461E8CB334}"/>
+                <a16:creationId xmlns:a16="http://schemas.microsoft.com/office/drawing/2014/main" id="{30603EBE-CBC7-8774-6637-55AF9198A6BE}"/>
               </a:ext>
             </a:extLst>
           </p:cNvPr>
@@ -2427,7 +2427,7 @@
           <a:bodyPr/>
           <a:lstStyle/>
           <a:p>
-            <a:fld id="{49C0DEF9-94D0-4467-8C1B-961BE8813B80}" type="slidenum">
+            <a:fld id="{E38F7689-216D-4C35-8058-2CB34EA6965E}" type="slidenum">
               <a:rPr lang="zh-CN" altLang="en-US" smtClean="0"/>
               <a:t>‹#›</a:t>
             </a:fld>
@@ -2438,7 +2438,7 @@
     </p:spTree>
     <p:extLst>
       <p:ext uri="{BB962C8B-B14F-4D97-AF65-F5344CB8AC3E}">
-        <p14:creationId xmlns:p14="http://schemas.microsoft.com/office/powerpoint/2010/main" val="723565962"/>
+        <p14:creationId xmlns:p14="http://schemas.microsoft.com/office/powerpoint/2010/main" val="2854739928"/>
       </p:ext>
     </p:extLst>
   </p:cSld>
@@ -2470,7 +2470,7 @@
           <p:cNvPr id="2" name="标题 1">
             <a:extLst>
               <a:ext uri="{FF2B5EF4-FFF2-40B4-BE49-F238E27FC236}">
-                <a16:creationId xmlns:a16="http://schemas.microsoft.com/office/drawing/2014/main" id="{5295734B-6CCE-4D7C-4A27-4EAE1684E059}"/>
+                <a16:creationId xmlns:a16="http://schemas.microsoft.com/office/drawing/2014/main" id="{5B9AB7AA-1086-1EF1-B70C-936BD8F037C7}"/>
               </a:ext>
             </a:extLst>
           </p:cNvPr>
@@ -2507,7 +2507,7 @@
           <p:cNvPr id="3" name="图片占位符 2">
             <a:extLst>
               <a:ext uri="{FF2B5EF4-FFF2-40B4-BE49-F238E27FC236}">
-                <a16:creationId xmlns:a16="http://schemas.microsoft.com/office/drawing/2014/main" id="{CD19A61D-48F3-CED2-2C42-193F88589BE3}"/>
+                <a16:creationId xmlns:a16="http://schemas.microsoft.com/office/drawing/2014/main" id="{BCA6E0F8-E904-66D8-F8A3-E5B43314B752}"/>
               </a:ext>
             </a:extLst>
           </p:cNvPr>
@@ -2574,7 +2574,7 @@
           <p:cNvPr id="4" name="文本占位符 3">
             <a:extLst>
               <a:ext uri="{FF2B5EF4-FFF2-40B4-BE49-F238E27FC236}">
-                <a16:creationId xmlns:a16="http://schemas.microsoft.com/office/drawing/2014/main" id="{D2EAB24D-AE3E-B542-4279-1CD969B9B4E7}"/>
+                <a16:creationId xmlns:a16="http://schemas.microsoft.com/office/drawing/2014/main" id="{3F8A3C38-3612-EC23-2F63-E22480C3B642}"/>
               </a:ext>
             </a:extLst>
           </p:cNvPr>
@@ -2645,7 +2645,7 @@
           <p:cNvPr id="5" name="日期占位符 4">
             <a:extLst>
               <a:ext uri="{FF2B5EF4-FFF2-40B4-BE49-F238E27FC236}">
-                <a16:creationId xmlns:a16="http://schemas.microsoft.com/office/drawing/2014/main" id="{D0C8E59A-E7EC-5317-651D-D0D5D7D2BDA0}"/>
+                <a16:creationId xmlns:a16="http://schemas.microsoft.com/office/drawing/2014/main" id="{F9F11287-84E6-BD54-3103-F28FE6EBA801}"/>
               </a:ext>
             </a:extLst>
           </p:cNvPr>
@@ -2661,7 +2661,7 @@
           <a:bodyPr/>
           <a:lstStyle/>
           <a:p>
-            <a:fld id="{42D407DF-5F1C-4C0A-8373-8F840AFE80F3}" type="datetimeFigureOut">
+            <a:fld id="{3076438A-5B30-4678-8772-48849F1DAA6D}" type="datetimeFigureOut">
               <a:rPr lang="zh-CN" altLang="en-US" smtClean="0"/>
               <a:t>2024/3/10</a:t>
             </a:fld>
@@ -2674,7 +2674,7 @@
           <p:cNvPr id="6" name="页脚占位符 5">
             <a:extLst>
               <a:ext uri="{FF2B5EF4-FFF2-40B4-BE49-F238E27FC236}">
-                <a16:creationId xmlns:a16="http://schemas.microsoft.com/office/drawing/2014/main" id="{EFCF3EE5-2BCC-0DED-39AF-E82E9B4AF52F}"/>
+                <a16:creationId xmlns:a16="http://schemas.microsoft.com/office/drawing/2014/main" id="{CC5661A7-8AD5-7704-D096-4FCB198F8028}"/>
               </a:ext>
             </a:extLst>
           </p:cNvPr>
@@ -2699,7 +2699,7 @@
           <p:cNvPr id="7" name="灯片编号占位符 6">
             <a:extLst>
               <a:ext uri="{FF2B5EF4-FFF2-40B4-BE49-F238E27FC236}">
-                <a16:creationId xmlns:a16="http://schemas.microsoft.com/office/drawing/2014/main" id="{A7F6B4DF-E8B8-3D62-AD30-CE633CCF1379}"/>
+                <a16:creationId xmlns:a16="http://schemas.microsoft.com/office/drawing/2014/main" id="{F22C65A4-10EB-391D-5815-A16B741FAD1C}"/>
               </a:ext>
             </a:extLst>
           </p:cNvPr>
@@ -2715,7 +2715,7 @@
           <a:bodyPr/>
           <a:lstStyle/>
           <a:p>
-            <a:fld id="{49C0DEF9-94D0-4467-8C1B-961BE8813B80}" type="slidenum">
+            <a:fld id="{E38F7689-216D-4C35-8058-2CB34EA6965E}" type="slidenum">
               <a:rPr lang="zh-CN" altLang="en-US" smtClean="0"/>
               <a:t>‹#›</a:t>
             </a:fld>
@@ -2726,7 +2726,7 @@
     </p:spTree>
     <p:extLst>
       <p:ext uri="{BB962C8B-B14F-4D97-AF65-F5344CB8AC3E}">
-        <p14:creationId xmlns:p14="http://schemas.microsoft.com/office/powerpoint/2010/main" val="4026616315"/>
+        <p14:creationId xmlns:p14="http://schemas.microsoft.com/office/powerpoint/2010/main" val="4211455218"/>
       </p:ext>
     </p:extLst>
   </p:cSld>
@@ -2763,7 +2763,7 @@
           <p:cNvPr id="2" name="标题占位符 1">
             <a:extLst>
               <a:ext uri="{FF2B5EF4-FFF2-40B4-BE49-F238E27FC236}">
-                <a16:creationId xmlns:a16="http://schemas.microsoft.com/office/drawing/2014/main" id="{D8E90C61-F61A-046A-1F96-5DF2514B17A5}"/>
+                <a16:creationId xmlns:a16="http://schemas.microsoft.com/office/drawing/2014/main" id="{A1C4499E-EDD4-BDA1-D871-0CD49321AA1B}"/>
               </a:ext>
             </a:extLst>
           </p:cNvPr>
@@ -2801,7 +2801,7 @@
           <p:cNvPr id="3" name="文本占位符 2">
             <a:extLst>
               <a:ext uri="{FF2B5EF4-FFF2-40B4-BE49-F238E27FC236}">
-                <a16:creationId xmlns:a16="http://schemas.microsoft.com/office/drawing/2014/main" id="{32EDEF1A-81E3-7920-B874-2328B85760B7}"/>
+                <a16:creationId xmlns:a16="http://schemas.microsoft.com/office/drawing/2014/main" id="{2113D157-FB10-CF23-913E-9E38D08C5D3B}"/>
               </a:ext>
             </a:extLst>
           </p:cNvPr>
@@ -2868,7 +2868,7 @@
           <p:cNvPr id="4" name="日期占位符 3">
             <a:extLst>
               <a:ext uri="{FF2B5EF4-FFF2-40B4-BE49-F238E27FC236}">
-                <a16:creationId xmlns:a16="http://schemas.microsoft.com/office/drawing/2014/main" id="{5E644127-6589-EAA7-15D6-68EAD066B0A7}"/>
+                <a16:creationId xmlns:a16="http://schemas.microsoft.com/office/drawing/2014/main" id="{CD0C34F5-C2EB-396B-7EB3-04DCBADF003E}"/>
               </a:ext>
             </a:extLst>
           </p:cNvPr>
@@ -2902,7 +2902,7 @@
             </a:lvl1pPr>
           </a:lstStyle>
           <a:p>
-            <a:fld id="{42D407DF-5F1C-4C0A-8373-8F840AFE80F3}" type="datetimeFigureOut">
+            <a:fld id="{3076438A-5B30-4678-8772-48849F1DAA6D}" type="datetimeFigureOut">
               <a:rPr lang="zh-CN" altLang="en-US" smtClean="0"/>
               <a:t>2024/3/10</a:t>
             </a:fld>
@@ -2915,7 +2915,7 @@
           <p:cNvPr id="5" name="页脚占位符 4">
             <a:extLst>
               <a:ext uri="{FF2B5EF4-FFF2-40B4-BE49-F238E27FC236}">
-                <a16:creationId xmlns:a16="http://schemas.microsoft.com/office/drawing/2014/main" id="{D2CCDE2F-EFF6-7AE3-1D97-51F17FDA4390}"/>
+                <a16:creationId xmlns:a16="http://schemas.microsoft.com/office/drawing/2014/main" id="{A38C460A-FFAB-0554-3571-6D65E90FE214}"/>
               </a:ext>
             </a:extLst>
           </p:cNvPr>
@@ -2958,7 +2958,7 @@
           <p:cNvPr id="6" name="灯片编号占位符 5">
             <a:extLst>
               <a:ext uri="{FF2B5EF4-FFF2-40B4-BE49-F238E27FC236}">
-                <a16:creationId xmlns:a16="http://schemas.microsoft.com/office/drawing/2014/main" id="{B2816D7A-66C8-E68C-DB77-0592FA6B925D}"/>
+                <a16:creationId xmlns:a16="http://schemas.microsoft.com/office/drawing/2014/main" id="{4DED2C3B-9372-0A43-76D3-ED1CC6D25E92}"/>
               </a:ext>
             </a:extLst>
           </p:cNvPr>
@@ -2992,7 +2992,7 @@
             </a:lvl1pPr>
           </a:lstStyle>
           <a:p>
-            <a:fld id="{49C0DEF9-94D0-4467-8C1B-961BE8813B80}" type="slidenum">
+            <a:fld id="{E38F7689-216D-4C35-8058-2CB34EA6965E}" type="slidenum">
               <a:rPr lang="zh-CN" altLang="en-US" smtClean="0"/>
               <a:t>‹#›</a:t>
             </a:fld>
@@ -3003,7 +3003,7 @@
     </p:spTree>
     <p:extLst>
       <p:ext uri="{BB962C8B-B14F-4D97-AF65-F5344CB8AC3E}">
-        <p14:creationId xmlns:p14="http://schemas.microsoft.com/office/powerpoint/2010/main" val="1928461235"/>
+        <p14:creationId xmlns:p14="http://schemas.microsoft.com/office/powerpoint/2010/main" val="2592408982"/>
       </p:ext>
     </p:extLst>
   </p:cSld>
@@ -3323,7 +3323,7 @@
       </p:grpSpPr>
       <p:pic>
         <p:nvPicPr>
-          <p:cNvPr id="344066" name="Picture 2"/>
+          <p:cNvPr id="345090" name="Picture 2" descr="336"/>
           <p:cNvPicPr>
             <a:picLocks noChangeAspect="1" noChangeArrowheads="1"/>
           </p:cNvPicPr>
@@ -3354,7 +3354,6 @@
           <a:ln>
             <a:noFill/>
           </a:ln>
-          <a:effectLst/>
           <a:extLst>
             <a:ext uri="{909E8E84-426E-40DD-AFC4-6F175D3DCCD1}">
               <a14:hiddenFill xmlns:a14="http://schemas.microsoft.com/office/drawing/2010/main">
@@ -3372,15 +3371,6 @@
                 <a:headEnd/>
                 <a:tailEnd/>
               </a14:hiddenLine>
-            </a:ext>
-            <a:ext uri="{AF507438-7753-43E0-B8FC-AC1667EBCBE1}">
-              <a14:hiddenEffects xmlns:a14="http://schemas.microsoft.com/office/drawing/2010/main">
-                <a:effectLst>
-                  <a:outerShdw dist="35921" dir="2700000" algn="ctr" rotWithShape="0">
-                    <a:srgbClr val="808080"/>
-                  </a:outerShdw>
-                </a:effectLst>
-              </a14:hiddenEffects>
             </a:ext>
           </a:extLst>
         </p:spPr>
